--- a/Wormhole.pptx
+++ b/Wormhole.pptx
@@ -3840,19 +3840,7 @@
             <a:pPr lvl="1"/>
             <a:r>
               <a:rPr lang="en-US" dirty="0"/>
-              <a:t>Security is can </a:t>
-            </a:r>
-            <a:r>
-              <a:rPr lang="en-US"/>
-              <a:t>be implemented </a:t>
-            </a:r>
-            <a:r>
-              <a:rPr lang="en-US" dirty="0"/>
-              <a:t>at the Resolver level or the REST </a:t>
-            </a:r>
-            <a:r>
-              <a:rPr lang="en-US"/>
-              <a:t>API </a:t>
+              <a:t>Security is can be implemented at the Resolver level or the REST API </a:t>
             </a:r>
           </a:p>
           <a:p>
@@ -4081,6 +4069,7 @@
             </a:r>
           </a:p>
           <a:p>
+            <a:pPr lvl="1"/>
             <a:r>
               <a:rPr lang="en-US" dirty="0">
                 <a:hlinkClick r:id="rId6"/>
@@ -4889,7 +4878,7 @@
           <a:p>
             <a:r>
               <a:rPr lang="en-US" dirty="0"/>
-              <a:t>Spring boot application</a:t>
+              <a:t>Spring Boot application</a:t>
             </a:r>
           </a:p>
           <a:p>
@@ -4912,8 +4901,13 @@
             </a:r>
             <a:r>
               <a:rPr lang="en-US" dirty="0"/>
-              <a:t> interface to Reporting DB</a:t>
-            </a:r>
+              <a:t> interface to IDS, DMPS</a:t>
+            </a:r>
+            <a:r>
+              <a:rPr lang="en-US"/>
+              <a:t>, Reporting DB</a:t>
+            </a:r>
+            <a:endParaRPr lang="en-US" dirty="0"/>
           </a:p>
           <a:p>
             <a:endParaRPr lang="en-US" dirty="0"/>

--- a/Wormhole.pptx
+++ b/Wormhole.pptx
@@ -3840,7 +3840,16 @@
             <a:pPr lvl="1"/>
             <a:r>
               <a:rPr lang="en-US" dirty="0"/>
-              <a:t>Security is can be implemented at the Resolver level or the REST API </a:t>
+              <a:t>Security is can be implemented at the Resolver level or the REST API</a:t>
+            </a:r>
+          </a:p>
+          <a:p>
+            <a:pPr marL="457200" lvl="1" indent="0">
+              <a:buNone/>
+            </a:pPr>
+            <a:r>
+              <a:rPr lang="en-US" dirty="0"/>
+              <a:t> </a:t>
             </a:r>
           </a:p>
           <a:p>
@@ -3944,6 +3953,18 @@
             <a:r>
               <a:rPr lang="en-US" dirty="0"/>
               <a:t> (When? When did it go public?)</a:t>
+            </a:r>
+          </a:p>
+          <a:p>
+            <a:r>
+              <a:rPr lang="en-US" dirty="0"/>
+              <a:t>What is a Query Alias and when do I need one?</a:t>
+            </a:r>
+          </a:p>
+          <a:p>
+            <a:r>
+              <a:rPr lang="en-US" dirty="0"/>
+              <a:t>What is a fragment?</a:t>
             </a:r>
           </a:p>
           <a:p>
@@ -4901,13 +4922,8 @@
             </a:r>
             <a:r>
               <a:rPr lang="en-US" dirty="0"/>
-              <a:t> interface to IDS, DMPS</a:t>
-            </a:r>
-            <a:r>
-              <a:rPr lang="en-US"/>
-              <a:t>, Reporting DB</a:t>
-            </a:r>
-            <a:endParaRPr lang="en-US" dirty="0"/>
+              <a:t> interface to IDS, DMPS, Reporting DB</a:t>
+            </a:r>
           </a:p>
           <a:p>
             <a:endParaRPr lang="en-US" dirty="0"/>
@@ -5501,10 +5517,9 @@
             </a:r>
           </a:p>
           <a:p>
-            <a:pPr lvl="1"/>
-            <a:r>
-              <a:rPr lang="en-US" dirty="0"/>
-              <a:t>Named queries for collisions </a:t>
+            <a:r>
+              <a:rPr lang="en-US" dirty="0"/>
+              <a:t>Aliases</a:t>
             </a:r>
           </a:p>
           <a:p>

--- a/Wormhole.pptx
+++ b/Wormhole.pptx
@@ -7,17 +7,19 @@
   <p:sldIdLst>
     <p:sldId id="256" r:id="rId2"/>
     <p:sldId id="257" r:id="rId3"/>
-    <p:sldId id="258" r:id="rId4"/>
-    <p:sldId id="259" r:id="rId5"/>
-    <p:sldId id="260" r:id="rId6"/>
-    <p:sldId id="263" r:id="rId7"/>
-    <p:sldId id="268" r:id="rId8"/>
-    <p:sldId id="261" r:id="rId9"/>
-    <p:sldId id="266" r:id="rId10"/>
-    <p:sldId id="262" r:id="rId11"/>
-    <p:sldId id="264" r:id="rId12"/>
-    <p:sldId id="267" r:id="rId13"/>
-    <p:sldId id="265" r:id="rId14"/>
+    <p:sldId id="269" r:id="rId4"/>
+    <p:sldId id="270" r:id="rId5"/>
+    <p:sldId id="258" r:id="rId6"/>
+    <p:sldId id="259" r:id="rId7"/>
+    <p:sldId id="260" r:id="rId8"/>
+    <p:sldId id="263" r:id="rId9"/>
+    <p:sldId id="268" r:id="rId10"/>
+    <p:sldId id="261" r:id="rId11"/>
+    <p:sldId id="266" r:id="rId12"/>
+    <p:sldId id="262" r:id="rId13"/>
+    <p:sldId id="264" r:id="rId14"/>
+    <p:sldId id="267" r:id="rId15"/>
+    <p:sldId id="265" r:id="rId16"/>
   </p:sldIdLst>
   <p:sldSz cx="12192000" cy="6858000"/>
   <p:notesSz cx="6858000" cy="9144000"/>
@@ -116,6 +118,11 @@
       </a:defRPr>
     </a:lvl9pPr>
   </p:defaultTextStyle>
+  <p:extLst>
+    <p:ext uri="{EFAFB233-063F-42B5-8137-9DF3F51BA10A}">
+      <p15:sldGuideLst xmlns:p15="http://schemas.microsoft.com/office/powerpoint/2012/main"/>
+    </p:ext>
+  </p:extLst>
 </p:presentation>
 </file>
 
@@ -266,7 +273,7 @@
           <a:p>
             <a:fld id="{0F7DE950-097D-DA41-9F24-20C4FB80A6FA}" type="datetimeFigureOut">
               <a:rPr lang="en-US" smtClean="0"/>
-              <a:t>4/6/19</a:t>
+              <a:t>4/10/19</a:t>
             </a:fld>
             <a:endParaRPr lang="en-US"/>
           </a:p>
@@ -464,7 +471,7 @@
           <a:p>
             <a:fld id="{0F7DE950-097D-DA41-9F24-20C4FB80A6FA}" type="datetimeFigureOut">
               <a:rPr lang="en-US" smtClean="0"/>
-              <a:t>4/6/19</a:t>
+              <a:t>4/10/19</a:t>
             </a:fld>
             <a:endParaRPr lang="en-US"/>
           </a:p>
@@ -672,7 +679,7 @@
           <a:p>
             <a:fld id="{0F7DE950-097D-DA41-9F24-20C4FB80A6FA}" type="datetimeFigureOut">
               <a:rPr lang="en-US" smtClean="0"/>
-              <a:t>4/6/19</a:t>
+              <a:t>4/10/19</a:t>
             </a:fld>
             <a:endParaRPr lang="en-US"/>
           </a:p>
@@ -870,7 +877,7 @@
           <a:p>
             <a:fld id="{0F7DE950-097D-DA41-9F24-20C4FB80A6FA}" type="datetimeFigureOut">
               <a:rPr lang="en-US" smtClean="0"/>
-              <a:t>4/6/19</a:t>
+              <a:t>4/10/19</a:t>
             </a:fld>
             <a:endParaRPr lang="en-US"/>
           </a:p>
@@ -1145,7 +1152,7 @@
           <a:p>
             <a:fld id="{0F7DE950-097D-DA41-9F24-20C4FB80A6FA}" type="datetimeFigureOut">
               <a:rPr lang="en-US" smtClean="0"/>
-              <a:t>4/6/19</a:t>
+              <a:t>4/10/19</a:t>
             </a:fld>
             <a:endParaRPr lang="en-US"/>
           </a:p>
@@ -1410,7 +1417,7 @@
           <a:p>
             <a:fld id="{0F7DE950-097D-DA41-9F24-20C4FB80A6FA}" type="datetimeFigureOut">
               <a:rPr lang="en-US" smtClean="0"/>
-              <a:t>4/6/19</a:t>
+              <a:t>4/10/19</a:t>
             </a:fld>
             <a:endParaRPr lang="en-US"/>
           </a:p>
@@ -1822,7 +1829,7 @@
           <a:p>
             <a:fld id="{0F7DE950-097D-DA41-9F24-20C4FB80A6FA}" type="datetimeFigureOut">
               <a:rPr lang="en-US" smtClean="0"/>
-              <a:t>4/6/19</a:t>
+              <a:t>4/10/19</a:t>
             </a:fld>
             <a:endParaRPr lang="en-US"/>
           </a:p>
@@ -1963,7 +1970,7 @@
           <a:p>
             <a:fld id="{0F7DE950-097D-DA41-9F24-20C4FB80A6FA}" type="datetimeFigureOut">
               <a:rPr lang="en-US" smtClean="0"/>
-              <a:t>4/6/19</a:t>
+              <a:t>4/10/19</a:t>
             </a:fld>
             <a:endParaRPr lang="en-US"/>
           </a:p>
@@ -2076,7 +2083,7 @@
           <a:p>
             <a:fld id="{0F7DE950-097D-DA41-9F24-20C4FB80A6FA}" type="datetimeFigureOut">
               <a:rPr lang="en-US" smtClean="0"/>
-              <a:t>4/6/19</a:t>
+              <a:t>4/10/19</a:t>
             </a:fld>
             <a:endParaRPr lang="en-US"/>
           </a:p>
@@ -2387,7 +2394,7 @@
           <a:p>
             <a:fld id="{0F7DE950-097D-DA41-9F24-20C4FB80A6FA}" type="datetimeFigureOut">
               <a:rPr lang="en-US" smtClean="0"/>
-              <a:t>4/6/19</a:t>
+              <a:t>4/10/19</a:t>
             </a:fld>
             <a:endParaRPr lang="en-US"/>
           </a:p>
@@ -2675,7 +2682,7 @@
           <a:p>
             <a:fld id="{0F7DE950-097D-DA41-9F24-20C4FB80A6FA}" type="datetimeFigureOut">
               <a:rPr lang="en-US" smtClean="0"/>
-              <a:t>4/6/19</a:t>
+              <a:t>4/10/19</a:t>
             </a:fld>
             <a:endParaRPr lang="en-US"/>
           </a:p>
@@ -2916,7 +2923,7 @@
           <a:p>
             <a:fld id="{0F7DE950-097D-DA41-9F24-20C4FB80A6FA}" type="datetimeFigureOut">
               <a:rPr lang="en-US" smtClean="0"/>
-              <a:t>4/6/19</a:t>
+              <a:t>4/10/19</a:t>
             </a:fld>
             <a:endParaRPr lang="en-US"/>
           </a:p>
@@ -3426,6 +3433,229 @@
           <p:cNvPr id="2" name="Title 1">
             <a:extLst>
               <a:ext uri="{FF2B5EF4-FFF2-40B4-BE49-F238E27FC236}">
+                <a16:creationId xmlns:a16="http://schemas.microsoft.com/office/drawing/2014/main" id="{C48C0745-9222-8D49-A288-8B43274B8949}"/>
+              </a:ext>
+            </a:extLst>
+          </p:cNvPr>
+          <p:cNvSpPr>
+            <a:spLocks noGrp="1"/>
+          </p:cNvSpPr>
+          <p:nvPr>
+            <p:ph type="title"/>
+          </p:nvPr>
+        </p:nvSpPr>
+        <p:spPr/>
+        <p:txBody>
+          <a:bodyPr/>
+          <a:lstStyle/>
+          <a:p>
+            <a:r>
+              <a:rPr lang="en-US" dirty="0"/>
+              <a:t>What are the </a:t>
+            </a:r>
+            <a:r>
+              <a:rPr lang="en-US" dirty="0" err="1"/>
+              <a:t>GraphQL</a:t>
+            </a:r>
+            <a:r>
+              <a:rPr lang="en-US" dirty="0"/>
+              <a:t> Steps</a:t>
+            </a:r>
+          </a:p>
+        </p:txBody>
+      </p:sp>
+      <p:sp>
+        <p:nvSpPr>
+          <p:cNvPr id="3" name="Content Placeholder 2">
+            <a:extLst>
+              <a:ext uri="{FF2B5EF4-FFF2-40B4-BE49-F238E27FC236}">
+                <a16:creationId xmlns:a16="http://schemas.microsoft.com/office/drawing/2014/main" id="{3134BA5C-7E7A-BD46-B314-3EB4E7D95533}"/>
+              </a:ext>
+            </a:extLst>
+          </p:cNvPr>
+          <p:cNvSpPr>
+            <a:spLocks noGrp="1"/>
+          </p:cNvSpPr>
+          <p:nvPr>
+            <p:ph idx="1"/>
+          </p:nvPr>
+        </p:nvSpPr>
+        <p:spPr/>
+        <p:txBody>
+          <a:bodyPr/>
+          <a:lstStyle/>
+          <a:p>
+            <a:r>
+              <a:rPr lang="en-US" dirty="0"/>
+              <a:t>Define the Schema</a:t>
+            </a:r>
+          </a:p>
+          <a:p>
+            <a:r>
+              <a:rPr lang="en-US" dirty="0"/>
+              <a:t>Implement the Resolvers</a:t>
+            </a:r>
+          </a:p>
+          <a:p>
+            <a:r>
+              <a:rPr lang="en-US" dirty="0"/>
+              <a:t>Start Writing Queries</a:t>
+            </a:r>
+          </a:p>
+          <a:p>
+            <a:endParaRPr lang="en-US" dirty="0"/>
+          </a:p>
+        </p:txBody>
+      </p:sp>
+    </p:spTree>
+    <p:extLst>
+      <p:ext uri="{BB962C8B-B14F-4D97-AF65-F5344CB8AC3E}">
+        <p14:creationId xmlns:p14="http://schemas.microsoft.com/office/powerpoint/2010/main" val="1431065837"/>
+      </p:ext>
+    </p:extLst>
+  </p:cSld>
+  <p:clrMapOvr>
+    <a:masterClrMapping/>
+  </p:clrMapOvr>
+</p:sld>
+</file>
+
+<file path=ppt/slides/slide11.xml><?xml version="1.0" encoding="utf-8"?>
+<p:sld xmlns:a="http://schemas.openxmlformats.org/drawingml/2006/main" xmlns:r="http://schemas.openxmlformats.org/officeDocument/2006/relationships" xmlns:p="http://schemas.openxmlformats.org/presentationml/2006/main">
+  <p:cSld>
+    <p:spTree>
+      <p:nvGrpSpPr>
+        <p:cNvPr id="1" name=""/>
+        <p:cNvGrpSpPr/>
+        <p:nvPr/>
+      </p:nvGrpSpPr>
+      <p:grpSpPr>
+        <a:xfrm>
+          <a:off x="0" y="0"/>
+          <a:ext cx="0" cy="0"/>
+          <a:chOff x="0" y="0"/>
+          <a:chExt cx="0" cy="0"/>
+        </a:xfrm>
+      </p:grpSpPr>
+      <p:sp>
+        <p:nvSpPr>
+          <p:cNvPr id="2" name="Title 1">
+            <a:extLst>
+              <a:ext uri="{FF2B5EF4-FFF2-40B4-BE49-F238E27FC236}">
+                <a16:creationId xmlns:a16="http://schemas.microsoft.com/office/drawing/2014/main" id="{11260A5D-7CD0-964F-8155-4BD9795DDD97}"/>
+              </a:ext>
+            </a:extLst>
+          </p:cNvPr>
+          <p:cNvSpPr>
+            <a:spLocks noGrp="1"/>
+          </p:cNvSpPr>
+          <p:nvPr>
+            <p:ph type="title"/>
+          </p:nvPr>
+        </p:nvSpPr>
+        <p:spPr/>
+        <p:txBody>
+          <a:bodyPr/>
+          <a:lstStyle/>
+          <a:p>
+            <a:r>
+              <a:rPr lang="en-US" dirty="0" err="1"/>
+              <a:t>GraphQL</a:t>
+            </a:r>
+            <a:r>
+              <a:rPr lang="en-US" dirty="0"/>
+              <a:t> Pieces</a:t>
+            </a:r>
+          </a:p>
+        </p:txBody>
+      </p:sp>
+      <p:sp>
+        <p:nvSpPr>
+          <p:cNvPr id="3" name="Content Placeholder 2">
+            <a:extLst>
+              <a:ext uri="{FF2B5EF4-FFF2-40B4-BE49-F238E27FC236}">
+                <a16:creationId xmlns:a16="http://schemas.microsoft.com/office/drawing/2014/main" id="{74EB57F4-7573-D641-B818-018AB16BA64F}"/>
+              </a:ext>
+            </a:extLst>
+          </p:cNvPr>
+          <p:cNvSpPr>
+            <a:spLocks noGrp="1"/>
+          </p:cNvSpPr>
+          <p:nvPr>
+            <p:ph idx="1"/>
+          </p:nvPr>
+        </p:nvSpPr>
+        <p:spPr/>
+        <p:txBody>
+          <a:bodyPr/>
+          <a:lstStyle/>
+          <a:p>
+            <a:r>
+              <a:rPr lang="en-US" dirty="0"/>
+              <a:t>Queries</a:t>
+            </a:r>
+          </a:p>
+          <a:p>
+            <a:r>
+              <a:rPr lang="en-US" dirty="0"/>
+              <a:t>Aliases</a:t>
+            </a:r>
+          </a:p>
+          <a:p>
+            <a:r>
+              <a:rPr lang="en-US" dirty="0"/>
+              <a:t>Mutations</a:t>
+            </a:r>
+          </a:p>
+          <a:p>
+            <a:r>
+              <a:rPr lang="en-US" dirty="0"/>
+              <a:t>Fragments</a:t>
+            </a:r>
+          </a:p>
+          <a:p>
+            <a:r>
+              <a:rPr lang="en-US" dirty="0"/>
+              <a:t>Directives</a:t>
+            </a:r>
+          </a:p>
+        </p:txBody>
+      </p:sp>
+    </p:spTree>
+    <p:extLst>
+      <p:ext uri="{BB962C8B-B14F-4D97-AF65-F5344CB8AC3E}">
+        <p14:creationId xmlns:p14="http://schemas.microsoft.com/office/powerpoint/2010/main" val="1022731830"/>
+      </p:ext>
+    </p:extLst>
+  </p:cSld>
+  <p:clrMapOvr>
+    <a:masterClrMapping/>
+  </p:clrMapOvr>
+</p:sld>
+</file>
+
+<file path=ppt/slides/slide12.xml><?xml version="1.0" encoding="utf-8"?>
+<p:sld xmlns:a="http://schemas.openxmlformats.org/drawingml/2006/main" xmlns:r="http://schemas.openxmlformats.org/officeDocument/2006/relationships" xmlns:p="http://schemas.openxmlformats.org/presentationml/2006/main">
+  <p:cSld>
+    <p:spTree>
+      <p:nvGrpSpPr>
+        <p:cNvPr id="1" name=""/>
+        <p:cNvGrpSpPr/>
+        <p:nvPr/>
+      </p:nvGrpSpPr>
+      <p:grpSpPr>
+        <a:xfrm>
+          <a:off x="0" y="0"/>
+          <a:ext cx="0" cy="0"/>
+          <a:chOff x="0" y="0"/>
+          <a:chExt cx="0" cy="0"/>
+        </a:xfrm>
+      </p:grpSpPr>
+      <p:sp>
+        <p:nvSpPr>
+          <p:cNvPr id="2" name="Title 1">
+            <a:extLst>
+              <a:ext uri="{FF2B5EF4-FFF2-40B4-BE49-F238E27FC236}">
                 <a16:creationId xmlns:a16="http://schemas.microsoft.com/office/drawing/2014/main" id="{ACBD27D4-6EE9-B44B-A54F-5A409AC1F3FD}"/>
               </a:ext>
             </a:extLst>
@@ -3765,7 +3995,7 @@
 </p:sld>
 </file>
 
-<file path=ppt/slides/slide11.xml><?xml version="1.0" encoding="utf-8"?>
+<file path=ppt/slides/slide13.xml><?xml version="1.0" encoding="utf-8"?>
 <p:sld xmlns:a="http://schemas.openxmlformats.org/drawingml/2006/main" xmlns:r="http://schemas.openxmlformats.org/officeDocument/2006/relationships" xmlns:p="http://schemas.openxmlformats.org/presentationml/2006/main">
   <p:cSld>
     <p:spTree>
@@ -3870,7 +4100,7 @@
 </p:sld>
 </file>
 
-<file path=ppt/slides/slide12.xml><?xml version="1.0" encoding="utf-8"?>
+<file path=ppt/slides/slide14.xml><?xml version="1.0" encoding="utf-8"?>
 <p:sld xmlns:a="http://schemas.openxmlformats.org/drawingml/2006/main" xmlns:r="http://schemas.openxmlformats.org/officeDocument/2006/relationships" xmlns:p="http://schemas.openxmlformats.org/presentationml/2006/main">
   <p:cSld>
     <p:spTree>
@@ -3985,7 +4215,7 @@
 </p:sld>
 </file>
 
-<file path=ppt/slides/slide13.xml><?xml version="1.0" encoding="utf-8"?>
+<file path=ppt/slides/slide15.xml><?xml version="1.0" encoding="utf-8"?>
 <p:sld xmlns:a="http://schemas.openxmlformats.org/drawingml/2006/main" xmlns:r="http://schemas.openxmlformats.org/officeDocument/2006/relationships" xmlns:p="http://schemas.openxmlformats.org/presentationml/2006/main">
   <p:cSld>
     <p:spTree>
@@ -4182,6 +4412,17 @@
           <a:p>
             <a:r>
               <a:rPr lang="en-US" dirty="0"/>
+              <a:t>Motivation for </a:t>
+            </a:r>
+            <a:r>
+              <a:rPr lang="en-US" dirty="0" err="1"/>
+              <a:t>GraphQL</a:t>
+            </a:r>
+            <a:endParaRPr lang="en-US" dirty="0"/>
+          </a:p>
+          <a:p>
+            <a:r>
+              <a:rPr lang="en-US" dirty="0"/>
               <a:t>Review Reporting Architecture</a:t>
             </a:r>
           </a:p>
@@ -4236,6 +4477,224 @@
 </file>
 
 <file path=ppt/slides/slide3.xml><?xml version="1.0" encoding="utf-8"?>
+<p:sld xmlns:a="http://schemas.openxmlformats.org/drawingml/2006/main" xmlns:r="http://schemas.openxmlformats.org/officeDocument/2006/relationships" xmlns:p="http://schemas.openxmlformats.org/presentationml/2006/main">
+  <p:cSld>
+    <p:spTree>
+      <p:nvGrpSpPr>
+        <p:cNvPr id="1" name=""/>
+        <p:cNvGrpSpPr/>
+        <p:nvPr/>
+      </p:nvGrpSpPr>
+      <p:grpSpPr>
+        <a:xfrm>
+          <a:off x="0" y="0"/>
+          <a:ext cx="0" cy="0"/>
+          <a:chOff x="0" y="0"/>
+          <a:chExt cx="0" cy="0"/>
+        </a:xfrm>
+      </p:grpSpPr>
+      <p:sp>
+        <p:nvSpPr>
+          <p:cNvPr id="2" name="Title 1">
+            <a:extLst>
+              <a:ext uri="{FF2B5EF4-FFF2-40B4-BE49-F238E27FC236}">
+                <a16:creationId xmlns:a16="http://schemas.microsoft.com/office/drawing/2014/main" id="{F9B50996-2EAF-A84C-A304-FDB7E5E863CA}"/>
+              </a:ext>
+            </a:extLst>
+          </p:cNvPr>
+          <p:cNvSpPr>
+            <a:spLocks noGrp="1"/>
+          </p:cNvSpPr>
+          <p:nvPr>
+            <p:ph type="title"/>
+          </p:nvPr>
+        </p:nvSpPr>
+        <p:spPr/>
+        <p:txBody>
+          <a:bodyPr/>
+          <a:lstStyle/>
+          <a:p>
+            <a:r>
+              <a:rPr lang="en-US" dirty="0"/>
+              <a:t>Initial </a:t>
+            </a:r>
+            <a:r>
+              <a:rPr lang="en-US" dirty="0" err="1"/>
+              <a:t>HMHOne</a:t>
+            </a:r>
+            <a:r>
+              <a:rPr lang="en-US" dirty="0"/>
+              <a:t>/Ed reports</a:t>
+            </a:r>
+          </a:p>
+        </p:txBody>
+      </p:sp>
+      <p:sp>
+        <p:nvSpPr>
+          <p:cNvPr id="3" name="Content Placeholder 2">
+            <a:extLst>
+              <a:ext uri="{FF2B5EF4-FFF2-40B4-BE49-F238E27FC236}">
+                <a16:creationId xmlns:a16="http://schemas.microsoft.com/office/drawing/2014/main" id="{B04A8F82-0FB8-114F-802C-474A1B7EB4DB}"/>
+              </a:ext>
+            </a:extLst>
+          </p:cNvPr>
+          <p:cNvSpPr>
+            <a:spLocks noGrp="1"/>
+          </p:cNvSpPr>
+          <p:nvPr>
+            <p:ph idx="1"/>
+          </p:nvPr>
+        </p:nvSpPr>
+        <p:spPr/>
+        <p:txBody>
+          <a:bodyPr/>
+          <a:lstStyle/>
+          <a:p>
+            <a:r>
+              <a:rPr lang="en-US" dirty="0"/>
+              <a:t>UI connected directly to endpoints </a:t>
+            </a:r>
+          </a:p>
+          <a:p>
+            <a:r>
+              <a:rPr lang="en-US" dirty="0"/>
+              <a:t>UI made multiple endpoint calls to different services</a:t>
+            </a:r>
+          </a:p>
+          <a:p>
+            <a:r>
+              <a:rPr lang="en-US" dirty="0"/>
+              <a:t>Custom endpoints for each report</a:t>
+            </a:r>
+          </a:p>
+          <a:p>
+            <a:r>
+              <a:rPr lang="en-US" dirty="0"/>
+              <a:t> “common” endpoints returned superset of data = extra traffic</a:t>
+            </a:r>
+          </a:p>
+        </p:txBody>
+      </p:sp>
+    </p:spTree>
+    <p:extLst>
+      <p:ext uri="{BB962C8B-B14F-4D97-AF65-F5344CB8AC3E}">
+        <p14:creationId xmlns:p14="http://schemas.microsoft.com/office/powerpoint/2010/main" val="3971141414"/>
+      </p:ext>
+    </p:extLst>
+  </p:cSld>
+  <p:clrMapOvr>
+    <a:masterClrMapping/>
+  </p:clrMapOvr>
+</p:sld>
+</file>
+
+<file path=ppt/slides/slide4.xml><?xml version="1.0" encoding="utf-8"?>
+<p:sld xmlns:a="http://schemas.openxmlformats.org/drawingml/2006/main" xmlns:r="http://schemas.openxmlformats.org/officeDocument/2006/relationships" xmlns:p="http://schemas.openxmlformats.org/presentationml/2006/main">
+  <p:cSld>
+    <p:spTree>
+      <p:nvGrpSpPr>
+        <p:cNvPr id="1" name=""/>
+        <p:cNvGrpSpPr/>
+        <p:nvPr/>
+      </p:nvGrpSpPr>
+      <p:grpSpPr>
+        <a:xfrm>
+          <a:off x="0" y="0"/>
+          <a:ext cx="0" cy="0"/>
+          <a:chOff x="0" y="0"/>
+          <a:chExt cx="0" cy="0"/>
+        </a:xfrm>
+      </p:grpSpPr>
+      <p:sp>
+        <p:nvSpPr>
+          <p:cNvPr id="2" name="Title 1">
+            <a:extLst>
+              <a:ext uri="{FF2B5EF4-FFF2-40B4-BE49-F238E27FC236}">
+                <a16:creationId xmlns:a16="http://schemas.microsoft.com/office/drawing/2014/main" id="{BD27DFB2-F905-B944-BD38-0130F4D03BC6}"/>
+              </a:ext>
+            </a:extLst>
+          </p:cNvPr>
+          <p:cNvSpPr>
+            <a:spLocks noGrp="1"/>
+          </p:cNvSpPr>
+          <p:nvPr>
+            <p:ph type="title"/>
+          </p:nvPr>
+        </p:nvSpPr>
+        <p:spPr/>
+        <p:txBody>
+          <a:bodyPr/>
+          <a:lstStyle/>
+          <a:p>
+            <a:r>
+              <a:rPr lang="en-US" dirty="0"/>
+              <a:t>We proposed </a:t>
+            </a:r>
+            <a:r>
+              <a:rPr lang="en-US" dirty="0" err="1"/>
+              <a:t>GraphQL</a:t>
+            </a:r>
+            <a:r>
+              <a:rPr lang="en-US" dirty="0"/>
+              <a:t> as a way to</a:t>
+            </a:r>
+          </a:p>
+        </p:txBody>
+      </p:sp>
+      <p:sp>
+        <p:nvSpPr>
+          <p:cNvPr id="3" name="Content Placeholder 2">
+            <a:extLst>
+              <a:ext uri="{FF2B5EF4-FFF2-40B4-BE49-F238E27FC236}">
+                <a16:creationId xmlns:a16="http://schemas.microsoft.com/office/drawing/2014/main" id="{3CE97BCE-8800-684D-BC65-E90D5E236D45}"/>
+              </a:ext>
+            </a:extLst>
+          </p:cNvPr>
+          <p:cNvSpPr>
+            <a:spLocks noGrp="1"/>
+          </p:cNvSpPr>
+          <p:nvPr>
+            <p:ph idx="1"/>
+          </p:nvPr>
+        </p:nvSpPr>
+        <p:spPr/>
+        <p:txBody>
+          <a:bodyPr/>
+          <a:lstStyle/>
+          <a:p>
+            <a:r>
+              <a:rPr lang="en-US" dirty="0"/>
+              <a:t>Single “general purpose” API from services</a:t>
+            </a:r>
+          </a:p>
+          <a:p>
+            <a:r>
+              <a:rPr lang="en-US" dirty="0"/>
+              <a:t>Integrate multiple sources</a:t>
+            </a:r>
+          </a:p>
+          <a:p>
+            <a:r>
+              <a:rPr lang="en-US" dirty="0"/>
+              <a:t>Return to client only required data</a:t>
+            </a:r>
+          </a:p>
+        </p:txBody>
+      </p:sp>
+    </p:spTree>
+    <p:extLst>
+      <p:ext uri="{BB962C8B-B14F-4D97-AF65-F5344CB8AC3E}">
+        <p14:creationId xmlns:p14="http://schemas.microsoft.com/office/powerpoint/2010/main" val="3285299897"/>
+      </p:ext>
+    </p:extLst>
+  </p:cSld>
+  <p:clrMapOvr>
+    <a:masterClrMapping/>
+  </p:clrMapOvr>
+</p:sld>
+</file>
+
+<file path=ppt/slides/slide5.xml><?xml version="1.0" encoding="utf-8"?>
 <p:sld xmlns:a="http://schemas.openxmlformats.org/drawingml/2006/main" xmlns:r="http://schemas.openxmlformats.org/officeDocument/2006/relationships" xmlns:p="http://schemas.openxmlformats.org/presentationml/2006/main">
   <p:cSld>
     <p:spTree>
@@ -4697,6 +5156,13 @@
             <a:pPr algn="ctr"/>
             <a:r>
               <a:rPr lang="en-US" dirty="0"/>
+              <a:t>GRADE</a:t>
+            </a:r>
+          </a:p>
+          <a:p>
+            <a:pPr algn="ctr"/>
+            <a:r>
+              <a:rPr lang="en-US" dirty="0"/>
               <a:t>REST</a:t>
             </a:r>
           </a:p>
@@ -4800,272 +5266,164 @@
           </a:p>
         </p:txBody>
       </p:sp>
+      <p:sp>
+        <p:nvSpPr>
+          <p:cNvPr id="18" name="Rectangle 17">
+            <a:extLst>
+              <a:ext uri="{FF2B5EF4-FFF2-40B4-BE49-F238E27FC236}">
+                <a16:creationId xmlns:a16="http://schemas.microsoft.com/office/drawing/2014/main" id="{A4EB476B-77A7-1449-BEAA-646FCC1DA903}"/>
+              </a:ext>
+            </a:extLst>
+          </p:cNvPr>
+          <p:cNvSpPr/>
+          <p:nvPr/>
+        </p:nvSpPr>
+        <p:spPr>
+          <a:xfrm>
+            <a:off x="6826392" y="2212335"/>
+            <a:ext cx="914400" cy="914400"/>
+          </a:xfrm>
+          <a:prstGeom prst="rect">
+            <a:avLst/>
+          </a:prstGeom>
+        </p:spPr>
+        <p:style>
+          <a:lnRef idx="2">
+            <a:schemeClr val="accent1">
+              <a:shade val="50000"/>
+            </a:schemeClr>
+          </a:lnRef>
+          <a:fillRef idx="1">
+            <a:schemeClr val="accent1"/>
+          </a:fillRef>
+          <a:effectRef idx="0">
+            <a:schemeClr val="accent1"/>
+          </a:effectRef>
+          <a:fontRef idx="minor">
+            <a:schemeClr val="lt1"/>
+          </a:fontRef>
+        </p:style>
+        <p:txBody>
+          <a:bodyPr rtlCol="0" anchor="ctr"/>
+          <a:lstStyle/>
+          <a:p>
+            <a:pPr algn="ctr"/>
+            <a:r>
+              <a:rPr lang="en-US" dirty="0"/>
+              <a:t>DMPS REST</a:t>
+            </a:r>
+          </a:p>
+        </p:txBody>
+      </p:sp>
+      <p:sp>
+        <p:nvSpPr>
+          <p:cNvPr id="19" name="Rectangle 18">
+            <a:extLst>
+              <a:ext uri="{FF2B5EF4-FFF2-40B4-BE49-F238E27FC236}">
+                <a16:creationId xmlns:a16="http://schemas.microsoft.com/office/drawing/2014/main" id="{5C07D95A-D43D-A34B-BD5F-702BCC253CE4}"/>
+              </a:ext>
+            </a:extLst>
+          </p:cNvPr>
+          <p:cNvSpPr/>
+          <p:nvPr/>
+        </p:nvSpPr>
+        <p:spPr>
+          <a:xfrm>
+            <a:off x="6826392" y="4429061"/>
+            <a:ext cx="914400" cy="914400"/>
+          </a:xfrm>
+          <a:prstGeom prst="rect">
+            <a:avLst/>
+          </a:prstGeom>
+        </p:spPr>
+        <p:style>
+          <a:lnRef idx="2">
+            <a:schemeClr val="accent1">
+              <a:shade val="50000"/>
+            </a:schemeClr>
+          </a:lnRef>
+          <a:fillRef idx="1">
+            <a:schemeClr val="accent1"/>
+          </a:fillRef>
+          <a:effectRef idx="0">
+            <a:schemeClr val="accent1"/>
+          </a:effectRef>
+          <a:fontRef idx="minor">
+            <a:schemeClr val="lt1"/>
+          </a:fontRef>
+        </p:style>
+        <p:txBody>
+          <a:bodyPr rtlCol="0" anchor="ctr"/>
+          <a:lstStyle/>
+          <a:p>
+            <a:pPr algn="ctr"/>
+            <a:r>
+              <a:rPr lang="en-US" dirty="0"/>
+              <a:t>IDS</a:t>
+            </a:r>
+          </a:p>
+          <a:p>
+            <a:pPr algn="ctr"/>
+            <a:r>
+              <a:rPr lang="en-US" dirty="0"/>
+              <a:t>REST</a:t>
+            </a:r>
+          </a:p>
+        </p:txBody>
+      </p:sp>
+      <p:sp>
+        <p:nvSpPr>
+          <p:cNvPr id="20" name="Rectangle 19">
+            <a:extLst>
+              <a:ext uri="{FF2B5EF4-FFF2-40B4-BE49-F238E27FC236}">
+                <a16:creationId xmlns:a16="http://schemas.microsoft.com/office/drawing/2014/main" id="{8A47C7FE-6B43-6B44-A7E3-26B86AA824AB}"/>
+              </a:ext>
+            </a:extLst>
+          </p:cNvPr>
+          <p:cNvSpPr/>
+          <p:nvPr/>
+        </p:nvSpPr>
+        <p:spPr>
+          <a:xfrm>
+            <a:off x="6826392" y="5533031"/>
+            <a:ext cx="914400" cy="914400"/>
+          </a:xfrm>
+          <a:prstGeom prst="rect">
+            <a:avLst/>
+          </a:prstGeom>
+        </p:spPr>
+        <p:style>
+          <a:lnRef idx="2">
+            <a:schemeClr val="accent1">
+              <a:shade val="50000"/>
+            </a:schemeClr>
+          </a:lnRef>
+          <a:fillRef idx="1">
+            <a:schemeClr val="accent1"/>
+          </a:fillRef>
+          <a:effectRef idx="0">
+            <a:schemeClr val="accent1"/>
+          </a:effectRef>
+          <a:fontRef idx="minor">
+            <a:schemeClr val="lt1"/>
+          </a:fontRef>
+        </p:style>
+        <p:txBody>
+          <a:bodyPr rtlCol="0" anchor="ctr"/>
+          <a:lstStyle/>
+          <a:p>
+            <a:pPr algn="ctr"/>
+            <a:r>
+              <a:rPr lang="en-US" dirty="0"/>
+              <a:t>Others</a:t>
+            </a:r>
+          </a:p>
+        </p:txBody>
+      </p:sp>
     </p:spTree>
     <p:extLst>
       <p:ext uri="{BB962C8B-B14F-4D97-AF65-F5344CB8AC3E}">
         <p14:creationId xmlns:p14="http://schemas.microsoft.com/office/powerpoint/2010/main" val="1618636755"/>
-      </p:ext>
-    </p:extLst>
-  </p:cSld>
-  <p:clrMapOvr>
-    <a:masterClrMapping/>
-  </p:clrMapOvr>
-</p:sld>
-</file>
-
-<file path=ppt/slides/slide4.xml><?xml version="1.0" encoding="utf-8"?>
-<p:sld xmlns:a="http://schemas.openxmlformats.org/drawingml/2006/main" xmlns:r="http://schemas.openxmlformats.org/officeDocument/2006/relationships" xmlns:p="http://schemas.openxmlformats.org/presentationml/2006/main">
-  <p:cSld>
-    <p:spTree>
-      <p:nvGrpSpPr>
-        <p:cNvPr id="1" name=""/>
-        <p:cNvGrpSpPr/>
-        <p:nvPr/>
-      </p:nvGrpSpPr>
-      <p:grpSpPr>
-        <a:xfrm>
-          <a:off x="0" y="0"/>
-          <a:ext cx="0" cy="0"/>
-          <a:chOff x="0" y="0"/>
-          <a:chExt cx="0" cy="0"/>
-        </a:xfrm>
-      </p:grpSpPr>
-      <p:sp>
-        <p:nvSpPr>
-          <p:cNvPr id="2" name="Title 1">
-            <a:extLst>
-              <a:ext uri="{FF2B5EF4-FFF2-40B4-BE49-F238E27FC236}">
-                <a16:creationId xmlns:a16="http://schemas.microsoft.com/office/drawing/2014/main" id="{3D83D641-13DC-E745-948B-FC472541DAA9}"/>
-              </a:ext>
-            </a:extLst>
-          </p:cNvPr>
-          <p:cNvSpPr>
-            <a:spLocks noGrp="1"/>
-          </p:cNvSpPr>
-          <p:nvPr>
-            <p:ph type="title"/>
-          </p:nvPr>
-        </p:nvSpPr>
-        <p:spPr/>
-        <p:txBody>
-          <a:bodyPr/>
-          <a:lstStyle/>
-          <a:p>
-            <a:r>
-              <a:rPr lang="en-US" dirty="0"/>
-              <a:t>What is Wormhole</a:t>
-            </a:r>
-          </a:p>
-        </p:txBody>
-      </p:sp>
-      <p:sp>
-        <p:nvSpPr>
-          <p:cNvPr id="3" name="Content Placeholder 2">
-            <a:extLst>
-              <a:ext uri="{FF2B5EF4-FFF2-40B4-BE49-F238E27FC236}">
-                <a16:creationId xmlns:a16="http://schemas.microsoft.com/office/drawing/2014/main" id="{571EFCD0-D87C-E141-969F-78EA911D0C8B}"/>
-              </a:ext>
-            </a:extLst>
-          </p:cNvPr>
-          <p:cNvSpPr>
-            <a:spLocks noGrp="1"/>
-          </p:cNvSpPr>
-          <p:nvPr>
-            <p:ph idx="1"/>
-          </p:nvPr>
-        </p:nvSpPr>
-        <p:spPr/>
-        <p:txBody>
-          <a:bodyPr/>
-          <a:lstStyle/>
-          <a:p>
-            <a:r>
-              <a:rPr lang="en-US" dirty="0"/>
-              <a:t>Non-REST Server</a:t>
-            </a:r>
-          </a:p>
-          <a:p>
-            <a:r>
-              <a:rPr lang="en-US" dirty="0"/>
-              <a:t>Accepts Queries from UI with Special Query Language</a:t>
-            </a:r>
-          </a:p>
-          <a:p>
-            <a:r>
-              <a:rPr lang="en-US" dirty="0"/>
-              <a:t>Communicates with REST APIs</a:t>
-            </a:r>
-          </a:p>
-          <a:p>
-            <a:r>
-              <a:rPr lang="en-US" dirty="0"/>
-              <a:t>Spring Boot application</a:t>
-            </a:r>
-          </a:p>
-          <a:p>
-            <a:r>
-              <a:rPr lang="en-US" dirty="0"/>
-              <a:t>On Bedrock</a:t>
-            </a:r>
-          </a:p>
-          <a:p>
-            <a:endParaRPr lang="en-US" dirty="0"/>
-          </a:p>
-          <a:p>
-            <a:r>
-              <a:rPr lang="en-US" dirty="0"/>
-              <a:t>Implements </a:t>
-            </a:r>
-            <a:r>
-              <a:rPr lang="en-US" dirty="0" err="1"/>
-              <a:t>GraphQL</a:t>
-            </a:r>
-            <a:r>
-              <a:rPr lang="en-US" dirty="0"/>
-              <a:t> interface to IDS, DMPS, Reporting DB</a:t>
-            </a:r>
-          </a:p>
-          <a:p>
-            <a:endParaRPr lang="en-US" dirty="0"/>
-          </a:p>
-        </p:txBody>
-      </p:sp>
-    </p:spTree>
-    <p:extLst>
-      <p:ext uri="{BB962C8B-B14F-4D97-AF65-F5344CB8AC3E}">
-        <p14:creationId xmlns:p14="http://schemas.microsoft.com/office/powerpoint/2010/main" val="1576788362"/>
-      </p:ext>
-    </p:extLst>
-  </p:cSld>
-  <p:clrMapOvr>
-    <a:masterClrMapping/>
-  </p:clrMapOvr>
-</p:sld>
-</file>
-
-<file path=ppt/slides/slide5.xml><?xml version="1.0" encoding="utf-8"?>
-<p:sld xmlns:a="http://schemas.openxmlformats.org/drawingml/2006/main" xmlns:r="http://schemas.openxmlformats.org/officeDocument/2006/relationships" xmlns:p="http://schemas.openxmlformats.org/presentationml/2006/main">
-  <p:cSld>
-    <p:spTree>
-      <p:nvGrpSpPr>
-        <p:cNvPr id="1" name=""/>
-        <p:cNvGrpSpPr/>
-        <p:nvPr/>
-      </p:nvGrpSpPr>
-      <p:grpSpPr>
-        <a:xfrm>
-          <a:off x="0" y="0"/>
-          <a:ext cx="0" cy="0"/>
-          <a:chOff x="0" y="0"/>
-          <a:chExt cx="0" cy="0"/>
-        </a:xfrm>
-      </p:grpSpPr>
-      <p:sp>
-        <p:nvSpPr>
-          <p:cNvPr id="2" name="Title 1">
-            <a:extLst>
-              <a:ext uri="{FF2B5EF4-FFF2-40B4-BE49-F238E27FC236}">
-                <a16:creationId xmlns:a16="http://schemas.microsoft.com/office/drawing/2014/main" id="{710EF6ED-3DDB-A948-B976-631A2666160F}"/>
-              </a:ext>
-            </a:extLst>
-          </p:cNvPr>
-          <p:cNvSpPr>
-            <a:spLocks noGrp="1"/>
-          </p:cNvSpPr>
-          <p:nvPr>
-            <p:ph type="title"/>
-          </p:nvPr>
-        </p:nvSpPr>
-        <p:spPr/>
-        <p:txBody>
-          <a:bodyPr/>
-          <a:lstStyle/>
-          <a:p>
-            <a:r>
-              <a:rPr lang="en-US" dirty="0"/>
-              <a:t>What is </a:t>
-            </a:r>
-            <a:r>
-              <a:rPr lang="en-US" dirty="0" err="1"/>
-              <a:t>GraphQL</a:t>
-            </a:r>
-            <a:endParaRPr lang="en-US" dirty="0"/>
-          </a:p>
-        </p:txBody>
-      </p:sp>
-      <p:sp>
-        <p:nvSpPr>
-          <p:cNvPr id="3" name="Content Placeholder 2">
-            <a:extLst>
-              <a:ext uri="{FF2B5EF4-FFF2-40B4-BE49-F238E27FC236}">
-                <a16:creationId xmlns:a16="http://schemas.microsoft.com/office/drawing/2014/main" id="{ACC28AA9-C65D-4241-B755-D622AA4EF7B7}"/>
-              </a:ext>
-            </a:extLst>
-          </p:cNvPr>
-          <p:cNvSpPr>
-            <a:spLocks noGrp="1"/>
-          </p:cNvSpPr>
-          <p:nvPr>
-            <p:ph idx="1"/>
-          </p:nvPr>
-        </p:nvSpPr>
-        <p:spPr/>
-        <p:txBody>
-          <a:bodyPr>
-            <a:normAutofit/>
-          </a:bodyPr>
-          <a:lstStyle/>
-          <a:p>
-            <a:r>
-              <a:rPr lang="en-US" dirty="0"/>
-              <a:t>Communication Standard</a:t>
-            </a:r>
-          </a:p>
-          <a:p>
-            <a:r>
-              <a:rPr lang="en-US" dirty="0"/>
-              <a:t>Defines a Strongly Typed Schema Language </a:t>
-            </a:r>
-          </a:p>
-          <a:p>
-            <a:r>
-              <a:rPr lang="en-US" dirty="0"/>
-              <a:t>Used to Define a Strongly Typed Contract from APIs to UI</a:t>
-            </a:r>
-          </a:p>
-          <a:p>
-            <a:r>
-              <a:rPr lang="en-US" dirty="0"/>
-              <a:t>Helps with</a:t>
-            </a:r>
-          </a:p>
-          <a:p>
-            <a:pPr lvl="1"/>
-            <a:r>
-              <a:rPr lang="en-US" dirty="0"/>
-              <a:t>Over/Under fetching – Think: Mobile, Facebook, Iterative Queries</a:t>
-            </a:r>
-          </a:p>
-          <a:p>
-            <a:pPr lvl="1"/>
-            <a:r>
-              <a:rPr lang="en-US" dirty="0"/>
-              <a:t>Clarity</a:t>
-            </a:r>
-          </a:p>
-          <a:p>
-            <a:pPr lvl="1"/>
-            <a:r>
-              <a:rPr lang="en-US" dirty="0"/>
-              <a:t>Predictability</a:t>
-            </a:r>
-          </a:p>
-        </p:txBody>
-      </p:sp>
-    </p:spTree>
-    <p:extLst>
-      <p:ext uri="{BB962C8B-B14F-4D97-AF65-F5344CB8AC3E}">
-        <p14:creationId xmlns:p14="http://schemas.microsoft.com/office/powerpoint/2010/main" val="507445046"/>
       </p:ext>
     </p:extLst>
   </p:cSld>
@@ -5097,7 +5455,7 @@
           <p:cNvPr id="2" name="Title 1">
             <a:extLst>
               <a:ext uri="{FF2B5EF4-FFF2-40B4-BE49-F238E27FC236}">
-                <a16:creationId xmlns:a16="http://schemas.microsoft.com/office/drawing/2014/main" id="{E26AFA86-290C-DA4D-A5CB-FE481B544822}"/>
+                <a16:creationId xmlns:a16="http://schemas.microsoft.com/office/drawing/2014/main" id="{3D83D641-13DC-E745-948B-FC472541DAA9}"/>
               </a:ext>
             </a:extLst>
           </p:cNvPr>
@@ -5115,80 +5473,87 @@
           <a:p>
             <a:r>
               <a:rPr lang="en-US" dirty="0"/>
-              <a:t>What is ! </a:t>
+              <a:t>What is Wormhole</a:t>
+            </a:r>
+          </a:p>
+        </p:txBody>
+      </p:sp>
+      <p:sp>
+        <p:nvSpPr>
+          <p:cNvPr id="3" name="Content Placeholder 2">
+            <a:extLst>
+              <a:ext uri="{FF2B5EF4-FFF2-40B4-BE49-F238E27FC236}">
+                <a16:creationId xmlns:a16="http://schemas.microsoft.com/office/drawing/2014/main" id="{571EFCD0-D87C-E141-969F-78EA911D0C8B}"/>
+              </a:ext>
+            </a:extLst>
+          </p:cNvPr>
+          <p:cNvSpPr>
+            <a:spLocks noGrp="1"/>
+          </p:cNvSpPr>
+          <p:nvPr>
+            <p:ph idx="1"/>
+          </p:nvPr>
+        </p:nvSpPr>
+        <p:spPr/>
+        <p:txBody>
+          <a:bodyPr/>
+          <a:lstStyle/>
+          <a:p>
+            <a:r>
+              <a:rPr lang="en-US" dirty="0"/>
+              <a:t>Non-REST Server</a:t>
+            </a:r>
+          </a:p>
+          <a:p>
+            <a:r>
+              <a:rPr lang="en-US" dirty="0"/>
+              <a:t>Accepts Queries from UI with Special Query Language</a:t>
+            </a:r>
+          </a:p>
+          <a:p>
+            <a:r>
+              <a:rPr lang="en-US" dirty="0"/>
+              <a:t>Communicates with REST APIs</a:t>
+            </a:r>
+          </a:p>
+          <a:p>
+            <a:r>
+              <a:rPr lang="en-US" dirty="0"/>
+              <a:t>Spring Boot application</a:t>
+            </a:r>
+          </a:p>
+          <a:p>
+            <a:r>
+              <a:rPr lang="en-US" dirty="0"/>
+              <a:t>On Bedrock</a:t>
+            </a:r>
+          </a:p>
+          <a:p>
+            <a:endParaRPr lang="en-US" dirty="0"/>
+          </a:p>
+          <a:p>
+            <a:r>
+              <a:rPr lang="en-US" dirty="0"/>
+              <a:t>Implements </a:t>
             </a:r>
             <a:r>
               <a:rPr lang="en-US" dirty="0" err="1"/>
               <a:t>GraphQL</a:t>
             </a:r>
+            <a:r>
+              <a:rPr lang="en-US" dirty="0"/>
+              <a:t> interface to IDS, DMPS, Reporting DB</a:t>
+            </a:r>
+          </a:p>
+          <a:p>
             <a:endParaRPr lang="en-US" dirty="0"/>
-          </a:p>
-        </p:txBody>
-      </p:sp>
-      <p:sp>
-        <p:nvSpPr>
-          <p:cNvPr id="3" name="Content Placeholder 2">
-            <a:extLst>
-              <a:ext uri="{FF2B5EF4-FFF2-40B4-BE49-F238E27FC236}">
-                <a16:creationId xmlns:a16="http://schemas.microsoft.com/office/drawing/2014/main" id="{2C086A0C-314F-B049-84EE-F420C9BCB4B0}"/>
-              </a:ext>
-            </a:extLst>
-          </p:cNvPr>
-          <p:cNvSpPr>
-            <a:spLocks noGrp="1"/>
-          </p:cNvSpPr>
-          <p:nvPr>
-            <p:ph idx="1"/>
-          </p:nvPr>
-        </p:nvSpPr>
-        <p:spPr/>
-        <p:txBody>
-          <a:bodyPr/>
-          <a:lstStyle/>
-          <a:p>
-            <a:r>
-              <a:rPr lang="en-US" dirty="0"/>
-              <a:t>Nothing to do with Graph DBs</a:t>
-            </a:r>
-          </a:p>
-          <a:p>
-            <a:r>
-              <a:rPr lang="en-US" dirty="0"/>
-              <a:t>Not Tied to React or any other particular library or implementation</a:t>
-            </a:r>
-          </a:p>
-          <a:p>
-            <a:r>
-              <a:rPr lang="en-US" dirty="0"/>
-              <a:t>Not Tied to a Language</a:t>
-            </a:r>
-          </a:p>
-          <a:p>
-            <a:pPr lvl="1"/>
-            <a:r>
-              <a:rPr lang="en-US" dirty="0"/>
-              <a:t>JavaScript, Python, Ruby, Java, C#, Scala, Go, Elixir, Erlang, PHP, R, and Clojure</a:t>
-            </a:r>
-          </a:p>
-          <a:p>
-            <a:r>
-              <a:rPr lang="en-US" dirty="0"/>
-              <a:t>Not Tied to a Communication Protocol</a:t>
-            </a:r>
-          </a:p>
-          <a:p>
-            <a:pPr lvl="1"/>
-            <a:r>
-              <a:rPr lang="en-US" dirty="0"/>
-              <a:t>Http</a:t>
-            </a:r>
           </a:p>
         </p:txBody>
       </p:sp>
     </p:spTree>
     <p:extLst>
       <p:ext uri="{BB962C8B-B14F-4D97-AF65-F5344CB8AC3E}">
-        <p14:creationId xmlns:p14="http://schemas.microsoft.com/office/powerpoint/2010/main" val="1258063245"/>
+        <p14:creationId xmlns:p14="http://schemas.microsoft.com/office/powerpoint/2010/main" val="1576788362"/>
       </p:ext>
     </p:extLst>
   </p:cSld>
@@ -5220,7 +5585,7 @@
           <p:cNvPr id="2" name="Title 1">
             <a:extLst>
               <a:ext uri="{FF2B5EF4-FFF2-40B4-BE49-F238E27FC236}">
-                <a16:creationId xmlns:a16="http://schemas.microsoft.com/office/drawing/2014/main" id="{C40FE4C9-522F-5146-8107-D36BDCADC9A4}"/>
+                <a16:creationId xmlns:a16="http://schemas.microsoft.com/office/drawing/2014/main" id="{710EF6ED-3DDB-A948-B976-631A2666160F}"/>
               </a:ext>
             </a:extLst>
           </p:cNvPr>
@@ -5238,7 +5603,7 @@
           <a:p>
             <a:r>
               <a:rPr lang="en-US" dirty="0"/>
-              <a:t>Who is Using </a:t>
+              <a:t>What is </a:t>
             </a:r>
             <a:r>
               <a:rPr lang="en-US" dirty="0" err="1"/>
@@ -5253,7 +5618,7 @@
           <p:cNvPr id="3" name="Content Placeholder 2">
             <a:extLst>
               <a:ext uri="{FF2B5EF4-FFF2-40B4-BE49-F238E27FC236}">
-                <a16:creationId xmlns:a16="http://schemas.microsoft.com/office/drawing/2014/main" id="{CABCB525-20A8-5E4D-B41C-20D3F160B04E}"/>
+                <a16:creationId xmlns:a16="http://schemas.microsoft.com/office/drawing/2014/main" id="{ACC28AA9-C65D-4241-B755-D622AA4EF7B7}"/>
               </a:ext>
             </a:extLst>
           </p:cNvPr>
@@ -5266,63 +5631,61 @@
         </p:nvSpPr>
         <p:spPr/>
         <p:txBody>
-          <a:bodyPr/>
-          <a:lstStyle/>
-          <a:p>
-            <a:r>
-              <a:rPr lang="en-US" dirty="0" err="1"/>
-              <a:t>Github</a:t>
-            </a:r>
-            <a:r>
-              <a:rPr lang="en-US" dirty="0"/>
-              <a:t> went to API v4 for GQL</a:t>
-            </a:r>
-          </a:p>
-          <a:p>
-            <a:r>
-              <a:rPr lang="en-US" dirty="0"/>
-              <a:t>Yelp </a:t>
-            </a:r>
-          </a:p>
-          <a:p>
-            <a:r>
-              <a:rPr lang="en-US" dirty="0"/>
-              <a:t>Coursera </a:t>
-            </a:r>
-          </a:p>
-          <a:p>
-            <a:r>
-              <a:rPr lang="en-US" dirty="0"/>
-              <a:t>Walmart </a:t>
-            </a:r>
-          </a:p>
-          <a:p>
-            <a:r>
-              <a:rPr lang="en-US" dirty="0"/>
-              <a:t>Shopify </a:t>
-            </a:r>
-          </a:p>
-          <a:p>
-            <a:r>
-              <a:rPr lang="en-US" dirty="0"/>
-              <a:t>Fabric </a:t>
-            </a:r>
-          </a:p>
-          <a:p>
-            <a:r>
-              <a:rPr lang="en-US" dirty="0"/>
-              <a:t>NY Times</a:t>
-            </a:r>
-          </a:p>
-          <a:p>
-            <a:endParaRPr lang="en-US" dirty="0"/>
+          <a:bodyPr>
+            <a:normAutofit/>
+          </a:bodyPr>
+          <a:lstStyle/>
+          <a:p>
+            <a:r>
+              <a:rPr lang="en-US" dirty="0"/>
+              <a:t>Communication Standard</a:t>
+            </a:r>
+          </a:p>
+          <a:p>
+            <a:r>
+              <a:rPr lang="en-US" dirty="0"/>
+              <a:t>Defines a Strongly Typed Schema Language </a:t>
+            </a:r>
+          </a:p>
+          <a:p>
+            <a:r>
+              <a:rPr lang="en-US" dirty="0"/>
+              <a:t>Used to Define a Strongly Typed Contract from APIs to UI</a:t>
+            </a:r>
+          </a:p>
+          <a:p>
+            <a:r>
+              <a:rPr lang="en-US" dirty="0"/>
+              <a:t>Helps with</a:t>
+            </a:r>
+          </a:p>
+          <a:p>
+            <a:pPr lvl="1"/>
+            <a:r>
+              <a:rPr lang="en-US" dirty="0"/>
+              <a:t>Over/Under fetching – Think: Mobile, Facebook, Iterative Queries</a:t>
+            </a:r>
+          </a:p>
+          <a:p>
+            <a:pPr lvl="1"/>
+            <a:r>
+              <a:rPr lang="en-US" dirty="0"/>
+              <a:t>Clarity</a:t>
+            </a:r>
+          </a:p>
+          <a:p>
+            <a:pPr lvl="1"/>
+            <a:r>
+              <a:rPr lang="en-US" dirty="0"/>
+              <a:t>Predictability</a:t>
+            </a:r>
           </a:p>
         </p:txBody>
       </p:sp>
     </p:spTree>
     <p:extLst>
       <p:ext uri="{BB962C8B-B14F-4D97-AF65-F5344CB8AC3E}">
-        <p14:creationId xmlns:p14="http://schemas.microsoft.com/office/powerpoint/2010/main" val="3797398621"/>
+        <p14:creationId xmlns:p14="http://schemas.microsoft.com/office/powerpoint/2010/main" val="507445046"/>
       </p:ext>
     </p:extLst>
   </p:cSld>
@@ -5354,7 +5717,7 @@
           <p:cNvPr id="2" name="Title 1">
             <a:extLst>
               <a:ext uri="{FF2B5EF4-FFF2-40B4-BE49-F238E27FC236}">
-                <a16:creationId xmlns:a16="http://schemas.microsoft.com/office/drawing/2014/main" id="{C48C0745-9222-8D49-A288-8B43274B8949}"/>
+                <a16:creationId xmlns:a16="http://schemas.microsoft.com/office/drawing/2014/main" id="{E26AFA86-290C-DA4D-A5CB-FE481B544822}"/>
               </a:ext>
             </a:extLst>
           </p:cNvPr>
@@ -5372,16 +5735,13 @@
           <a:p>
             <a:r>
               <a:rPr lang="en-US" dirty="0"/>
-              <a:t>What are the </a:t>
+              <a:t>What is ! </a:t>
             </a:r>
             <a:r>
               <a:rPr lang="en-US" dirty="0" err="1"/>
               <a:t>GraphQL</a:t>
             </a:r>
-            <a:r>
-              <a:rPr lang="en-US" dirty="0"/>
-              <a:t> Steps</a:t>
-            </a:r>
+            <a:endParaRPr lang="en-US" dirty="0"/>
           </a:p>
         </p:txBody>
       </p:sp>
@@ -5390,7 +5750,7 @@
           <p:cNvPr id="3" name="Content Placeholder 2">
             <a:extLst>
               <a:ext uri="{FF2B5EF4-FFF2-40B4-BE49-F238E27FC236}">
-                <a16:creationId xmlns:a16="http://schemas.microsoft.com/office/drawing/2014/main" id="{3134BA5C-7E7A-BD46-B314-3EB4E7D95533}"/>
+                <a16:creationId xmlns:a16="http://schemas.microsoft.com/office/drawing/2014/main" id="{2C086A0C-314F-B049-84EE-F420C9BCB4B0}"/>
               </a:ext>
             </a:extLst>
           </p:cNvPr>
@@ -5408,30 +5768,47 @@
           <a:p>
             <a:r>
               <a:rPr lang="en-US" dirty="0"/>
-              <a:t>Define the Schema</a:t>
-            </a:r>
-          </a:p>
-          <a:p>
-            <a:r>
-              <a:rPr lang="en-US" dirty="0"/>
-              <a:t>Implement the Resolvers</a:t>
-            </a:r>
-          </a:p>
-          <a:p>
-            <a:r>
-              <a:rPr lang="en-US" dirty="0"/>
-              <a:t>Start Writing Queries</a:t>
-            </a:r>
-          </a:p>
-          <a:p>
-            <a:endParaRPr lang="en-US" dirty="0"/>
+              <a:t>Nothing to do with Graph DBs</a:t>
+            </a:r>
+          </a:p>
+          <a:p>
+            <a:r>
+              <a:rPr lang="en-US" dirty="0"/>
+              <a:t>Not Tied to React or any other particular library or implementation</a:t>
+            </a:r>
+          </a:p>
+          <a:p>
+            <a:r>
+              <a:rPr lang="en-US" dirty="0"/>
+              <a:t>Not Tied to a Language</a:t>
+            </a:r>
+          </a:p>
+          <a:p>
+            <a:pPr lvl="1"/>
+            <a:r>
+              <a:rPr lang="en-US" dirty="0"/>
+              <a:t>JavaScript, Python, Ruby, Java, C#, Scala, Go, Elixir, Erlang, PHP, R, and Clojure</a:t>
+            </a:r>
+          </a:p>
+          <a:p>
+            <a:r>
+              <a:rPr lang="en-US" dirty="0"/>
+              <a:t>Not Tied to a Communication Protocol</a:t>
+            </a:r>
+          </a:p>
+          <a:p>
+            <a:pPr lvl="1"/>
+            <a:r>
+              <a:rPr lang="en-US" dirty="0"/>
+              <a:t>Http</a:t>
+            </a:r>
           </a:p>
         </p:txBody>
       </p:sp>
     </p:spTree>
     <p:extLst>
       <p:ext uri="{BB962C8B-B14F-4D97-AF65-F5344CB8AC3E}">
-        <p14:creationId xmlns:p14="http://schemas.microsoft.com/office/powerpoint/2010/main" val="1431065837"/>
+        <p14:creationId xmlns:p14="http://schemas.microsoft.com/office/powerpoint/2010/main" val="1258063245"/>
       </p:ext>
     </p:extLst>
   </p:cSld>
@@ -5463,7 +5840,7 @@
           <p:cNvPr id="2" name="Title 1">
             <a:extLst>
               <a:ext uri="{FF2B5EF4-FFF2-40B4-BE49-F238E27FC236}">
-                <a16:creationId xmlns:a16="http://schemas.microsoft.com/office/drawing/2014/main" id="{11260A5D-7CD0-964F-8155-4BD9795DDD97}"/>
+                <a16:creationId xmlns:a16="http://schemas.microsoft.com/office/drawing/2014/main" id="{C40FE4C9-522F-5146-8107-D36BDCADC9A4}"/>
               </a:ext>
             </a:extLst>
           </p:cNvPr>
@@ -5479,14 +5856,15 @@
           <a:bodyPr/>
           <a:lstStyle/>
           <a:p>
+            <a:r>
+              <a:rPr lang="en-US" dirty="0"/>
+              <a:t>Who is Using </a:t>
+            </a:r>
             <a:r>
               <a:rPr lang="en-US" dirty="0" err="1"/>
               <a:t>GraphQL</a:t>
             </a:r>
-            <a:r>
-              <a:rPr lang="en-US" dirty="0"/>
-              <a:t> Pieces</a:t>
-            </a:r>
+            <a:endParaRPr lang="en-US" dirty="0"/>
           </a:p>
         </p:txBody>
       </p:sp>
@@ -5495,7 +5873,7 @@
           <p:cNvPr id="3" name="Content Placeholder 2">
             <a:extLst>
               <a:ext uri="{FF2B5EF4-FFF2-40B4-BE49-F238E27FC236}">
-                <a16:creationId xmlns:a16="http://schemas.microsoft.com/office/drawing/2014/main" id="{74EB57F4-7573-D641-B818-018AB16BA64F}"/>
+                <a16:creationId xmlns:a16="http://schemas.microsoft.com/office/drawing/2014/main" id="{CABCB525-20A8-5E4D-B41C-20D3F160B04E}"/>
               </a:ext>
             </a:extLst>
           </p:cNvPr>
@@ -5512,40 +5890,59 @@
           <a:lstStyle/>
           <a:p>
             <a:r>
-              <a:rPr lang="en-US" dirty="0"/>
-              <a:t>Queries</a:t>
-            </a:r>
-          </a:p>
-          <a:p>
-            <a:r>
-              <a:rPr lang="en-US" dirty="0"/>
-              <a:t>Aliases</a:t>
-            </a:r>
-          </a:p>
-          <a:p>
-            <a:r>
-              <a:rPr lang="en-US" dirty="0"/>
-              <a:t>Mutations</a:t>
-            </a:r>
-          </a:p>
-          <a:p>
-            <a:r>
-              <a:rPr lang="en-US" dirty="0"/>
-              <a:t>Fragments</a:t>
-            </a:r>
-          </a:p>
-          <a:p>
-            <a:r>
-              <a:rPr lang="en-US" dirty="0"/>
-              <a:t>Directives</a:t>
-            </a:r>
+              <a:rPr lang="en-US" dirty="0" err="1"/>
+              <a:t>Github</a:t>
+            </a:r>
+            <a:r>
+              <a:rPr lang="en-US" dirty="0"/>
+              <a:t> went to API v4 for GQL</a:t>
+            </a:r>
+          </a:p>
+          <a:p>
+            <a:r>
+              <a:rPr lang="en-US" dirty="0"/>
+              <a:t>Yelp </a:t>
+            </a:r>
+          </a:p>
+          <a:p>
+            <a:r>
+              <a:rPr lang="en-US" dirty="0"/>
+              <a:t>Coursera </a:t>
+            </a:r>
+          </a:p>
+          <a:p>
+            <a:r>
+              <a:rPr lang="en-US" dirty="0"/>
+              <a:t>Walmart </a:t>
+            </a:r>
+          </a:p>
+          <a:p>
+            <a:r>
+              <a:rPr lang="en-US" dirty="0"/>
+              <a:t>Shopify </a:t>
+            </a:r>
+          </a:p>
+          <a:p>
+            <a:r>
+              <a:rPr lang="en-US" dirty="0"/>
+              <a:t>Fabric </a:t>
+            </a:r>
+          </a:p>
+          <a:p>
+            <a:r>
+              <a:rPr lang="en-US" dirty="0"/>
+              <a:t>NY Times</a:t>
+            </a:r>
+          </a:p>
+          <a:p>
+            <a:endParaRPr lang="en-US" dirty="0"/>
           </a:p>
         </p:txBody>
       </p:sp>
     </p:spTree>
     <p:extLst>
       <p:ext uri="{BB962C8B-B14F-4D97-AF65-F5344CB8AC3E}">
-        <p14:creationId xmlns:p14="http://schemas.microsoft.com/office/powerpoint/2010/main" val="1022731830"/>
+        <p14:creationId xmlns:p14="http://schemas.microsoft.com/office/powerpoint/2010/main" val="3797398621"/>
       </p:ext>
     </p:extLst>
   </p:cSld>

--- a/Wormhole.pptx
+++ b/Wormhole.pptx
@@ -3598,6 +3598,12 @@
           <a:p>
             <a:r>
               <a:rPr lang="en-US" dirty="0"/>
+              <a:t>Resolvers</a:t>
+            </a:r>
+          </a:p>
+          <a:p>
+            <a:r>
+              <a:rPr lang="en-US" dirty="0"/>
               <a:t>Aliases</a:t>
             </a:r>
           </a:p>
@@ -4035,7 +4041,7 @@
           <a:p>
             <a:r>
               <a:rPr lang="en-US" dirty="0"/>
-              <a:t>Questions</a:t>
+              <a:t>FAQs</a:t>
             </a:r>
           </a:p>
         </p:txBody>
@@ -4072,6 +4078,52 @@
               <a:rPr lang="en-US" dirty="0"/>
               <a:t>Security is can be implemented at the Resolver level or the REST API</a:t>
             </a:r>
+          </a:p>
+          <a:p>
+            <a:r>
+              <a:rPr lang="en-US" dirty="0"/>
+              <a:t>How to do server side caching?</a:t>
+            </a:r>
+          </a:p>
+          <a:p>
+            <a:pPr lvl="1"/>
+            <a:r>
+              <a:rPr lang="en-US" dirty="0"/>
+              <a:t>Since we don’t know the next query …</a:t>
+            </a:r>
+          </a:p>
+          <a:p>
+            <a:pPr lvl="1"/>
+            <a:r>
+              <a:rPr lang="en-US" dirty="0"/>
+              <a:t>One trick, return a unique id with, </a:t>
+            </a:r>
+            <a:r>
+              <a:rPr lang="en-US" dirty="0" err="1"/>
+              <a:t>eg</a:t>
+            </a:r>
+            <a:r>
+              <a:rPr lang="en-US" dirty="0"/>
+              <a:t>, Restaurant (</a:t>
+            </a:r>
+            <a:r>
+              <a:rPr lang="en-US" dirty="0" err="1"/>
+              <a:t>property_id</a:t>
+            </a:r>
+            <a:r>
+              <a:rPr lang="en-US" dirty="0"/>
+              <a:t>)</a:t>
+            </a:r>
+          </a:p>
+          <a:p>
+            <a:pPr lvl="1"/>
+            <a:r>
+              <a:rPr lang="en-US" dirty="0"/>
+              <a:t>Then cache based on id</a:t>
+            </a:r>
+          </a:p>
+          <a:p>
+            <a:endParaRPr lang="en-US" dirty="0"/>
           </a:p>
           <a:p>
             <a:pPr marL="457200" lvl="1" indent="0">
@@ -4168,7 +4220,7 @@
           <a:p>
             <a:r>
               <a:rPr lang="en-US" dirty="0"/>
-              <a:t>What is Introspection?</a:t>
+              <a:t>What is Type Introspection? (Bonus: what is Reflection?)</a:t>
             </a:r>
           </a:p>
           <a:p>
@@ -4182,7 +4234,29 @@
             </a:r>
             <a:r>
               <a:rPr lang="en-US" dirty="0"/>
-              <a:t> (When? When did it go public?)</a:t>
+              <a:t> (When? When did it become public?)</a:t>
+            </a:r>
+          </a:p>
+          <a:p>
+            <a:r>
+              <a:rPr lang="en-US" dirty="0"/>
+              <a:t>What are some advantages of </a:t>
+            </a:r>
+            <a:r>
+              <a:rPr lang="en-US" dirty="0" err="1"/>
+              <a:t>GraphQL</a:t>
+            </a:r>
+            <a:r>
+              <a:rPr lang="en-US" dirty="0"/>
+              <a:t> over straight-up REST </a:t>
+            </a:r>
+            <a:r>
+              <a:rPr lang="en-US" dirty="0" err="1"/>
+              <a:t>apis</a:t>
+            </a:r>
+            <a:r>
+              <a:rPr lang="en-US" dirty="0"/>
+              <a:t>?</a:t>
             </a:r>
           </a:p>
           <a:p>
@@ -4194,7 +4268,29 @@
           <a:p>
             <a:r>
               <a:rPr lang="en-US" dirty="0"/>
-              <a:t>What is a fragment?</a:t>
+              <a:t>What is </a:t>
+            </a:r>
+            <a:r>
+              <a:rPr lang="en-US"/>
+              <a:t>a F\ragment</a:t>
+            </a:r>
+            <a:r>
+              <a:rPr lang="en-US" dirty="0"/>
+              <a:t>?</a:t>
+            </a:r>
+          </a:p>
+          <a:p>
+            <a:r>
+              <a:rPr lang="en-US" dirty="0"/>
+              <a:t>Is </a:t>
+            </a:r>
+            <a:r>
+              <a:rPr lang="en-US" dirty="0" err="1"/>
+              <a:t>GraphQL</a:t>
+            </a:r>
+            <a:r>
+              <a:rPr lang="en-US" dirty="0"/>
+              <a:t> a Database technology?</a:t>
             </a:r>
           </a:p>
           <a:p>

--- a/Wormhole.pptx
+++ b/Wormhole.pptx
@@ -3610,7 +3610,7 @@
           <a:p>
             <a:r>
               <a:rPr lang="en-US" dirty="0"/>
-              <a:t>Mutations</a:t>
+              <a:t>Mutations – not in Wormhole</a:t>
             </a:r>
           </a:p>
           <a:p>
@@ -3622,7 +3622,13 @@
           <a:p>
             <a:r>
               <a:rPr lang="en-US" dirty="0"/>
-              <a:t>Directives</a:t>
+              <a:t>Directives – annotations for the server implementation</a:t>
+            </a:r>
+          </a:p>
+          <a:p>
+            <a:r>
+              <a:rPr lang="en-US" dirty="0"/>
+              <a:t>Subscriptions – notification mechanism, not wormhole, powerful </a:t>
             </a:r>
           </a:p>
         </p:txBody>
@@ -3711,8 +3717,13 @@
             </a:pPr>
             <a:r>
               <a:rPr lang="en-US" dirty="0"/>
-              <a:t>DEMO – Node Express</a:t>
-            </a:r>
+              <a:t>DEMO – Node Express </a:t>
+            </a:r>
+            <a:r>
+              <a:rPr lang="en-US" dirty="0" err="1"/>
+              <a:t>GraphQL</a:t>
+            </a:r>
+            <a:endParaRPr lang="en-US" dirty="0"/>
           </a:p>
         </p:txBody>
       </p:sp>
@@ -4064,7 +4075,9 @@
         </p:nvSpPr>
         <p:spPr/>
         <p:txBody>
-          <a:bodyPr/>
+          <a:bodyPr>
+            <a:normAutofit/>
+          </a:bodyPr>
           <a:lstStyle/>
           <a:p>
             <a:r>
@@ -4123,15 +4136,9 @@
             </a:r>
           </a:p>
           <a:p>
-            <a:endParaRPr lang="en-US" dirty="0"/>
-          </a:p>
-          <a:p>
-            <a:pPr marL="457200" lvl="1" indent="0">
-              <a:buNone/>
-            </a:pPr>
-            <a:r>
-              <a:rPr lang="en-US" dirty="0"/>
-              <a:t> </a:t>
+            <a:r>
+              <a:rPr lang="en-US" dirty="0"/>
+              <a:t>How hard is mocking?</a:t>
             </a:r>
           </a:p>
           <a:p>
@@ -5759,7 +5766,14 @@
             <a:pPr lvl="1"/>
             <a:r>
               <a:rPr lang="en-US" dirty="0"/>
-              <a:t>Over/Under fetching – Think: Mobile, Facebook, Iterative Queries</a:t>
+              <a:t>Over/Under fetching </a:t>
+            </a:r>
+          </a:p>
+          <a:p>
+            <a:pPr lvl="2"/>
+            <a:r>
+              <a:rPr lang="en-US" dirty="0"/>
+              <a:t>Think: Mobile (Chromebook), Facebook, Iterative Queries</a:t>
             </a:r>
           </a:p>
           <a:p>

--- a/Wormhole.pptx
+++ b/Wormhole.pptx
@@ -273,7 +273,7 @@
           <a:p>
             <a:fld id="{0F7DE950-097D-DA41-9F24-20C4FB80A6FA}" type="datetimeFigureOut">
               <a:rPr lang="en-US" smtClean="0"/>
-              <a:t>4/10/19</a:t>
+              <a:t>4/12/19</a:t>
             </a:fld>
             <a:endParaRPr lang="en-US"/>
           </a:p>
@@ -471,7 +471,7 @@
           <a:p>
             <a:fld id="{0F7DE950-097D-DA41-9F24-20C4FB80A6FA}" type="datetimeFigureOut">
               <a:rPr lang="en-US" smtClean="0"/>
-              <a:t>4/10/19</a:t>
+              <a:t>4/12/19</a:t>
             </a:fld>
             <a:endParaRPr lang="en-US"/>
           </a:p>
@@ -679,7 +679,7 @@
           <a:p>
             <a:fld id="{0F7DE950-097D-DA41-9F24-20C4FB80A6FA}" type="datetimeFigureOut">
               <a:rPr lang="en-US" smtClean="0"/>
-              <a:t>4/10/19</a:t>
+              <a:t>4/12/19</a:t>
             </a:fld>
             <a:endParaRPr lang="en-US"/>
           </a:p>
@@ -877,7 +877,7 @@
           <a:p>
             <a:fld id="{0F7DE950-097D-DA41-9F24-20C4FB80A6FA}" type="datetimeFigureOut">
               <a:rPr lang="en-US" smtClean="0"/>
-              <a:t>4/10/19</a:t>
+              <a:t>4/12/19</a:t>
             </a:fld>
             <a:endParaRPr lang="en-US"/>
           </a:p>
@@ -1152,7 +1152,7 @@
           <a:p>
             <a:fld id="{0F7DE950-097D-DA41-9F24-20C4FB80A6FA}" type="datetimeFigureOut">
               <a:rPr lang="en-US" smtClean="0"/>
-              <a:t>4/10/19</a:t>
+              <a:t>4/12/19</a:t>
             </a:fld>
             <a:endParaRPr lang="en-US"/>
           </a:p>
@@ -1417,7 +1417,7 @@
           <a:p>
             <a:fld id="{0F7DE950-097D-DA41-9F24-20C4FB80A6FA}" type="datetimeFigureOut">
               <a:rPr lang="en-US" smtClean="0"/>
-              <a:t>4/10/19</a:t>
+              <a:t>4/12/19</a:t>
             </a:fld>
             <a:endParaRPr lang="en-US"/>
           </a:p>
@@ -1829,7 +1829,7 @@
           <a:p>
             <a:fld id="{0F7DE950-097D-DA41-9F24-20C4FB80A6FA}" type="datetimeFigureOut">
               <a:rPr lang="en-US" smtClean="0"/>
-              <a:t>4/10/19</a:t>
+              <a:t>4/12/19</a:t>
             </a:fld>
             <a:endParaRPr lang="en-US"/>
           </a:p>
@@ -1970,7 +1970,7 @@
           <a:p>
             <a:fld id="{0F7DE950-097D-DA41-9F24-20C4FB80A6FA}" type="datetimeFigureOut">
               <a:rPr lang="en-US" smtClean="0"/>
-              <a:t>4/10/19</a:t>
+              <a:t>4/12/19</a:t>
             </a:fld>
             <a:endParaRPr lang="en-US"/>
           </a:p>
@@ -2083,7 +2083,7 @@
           <a:p>
             <a:fld id="{0F7DE950-097D-DA41-9F24-20C4FB80A6FA}" type="datetimeFigureOut">
               <a:rPr lang="en-US" smtClean="0"/>
-              <a:t>4/10/19</a:t>
+              <a:t>4/12/19</a:t>
             </a:fld>
             <a:endParaRPr lang="en-US"/>
           </a:p>
@@ -2394,7 +2394,7 @@
           <a:p>
             <a:fld id="{0F7DE950-097D-DA41-9F24-20C4FB80A6FA}" type="datetimeFigureOut">
               <a:rPr lang="en-US" smtClean="0"/>
-              <a:t>4/10/19</a:t>
+              <a:t>4/12/19</a:t>
             </a:fld>
             <a:endParaRPr lang="en-US"/>
           </a:p>
@@ -2682,7 +2682,7 @@
           <a:p>
             <a:fld id="{0F7DE950-097D-DA41-9F24-20C4FB80A6FA}" type="datetimeFigureOut">
               <a:rPr lang="en-US" smtClean="0"/>
-              <a:t>4/10/19</a:t>
+              <a:t>4/12/19</a:t>
             </a:fld>
             <a:endParaRPr lang="en-US"/>
           </a:p>
@@ -2923,7 +2923,7 @@
           <a:p>
             <a:fld id="{0F7DE950-097D-DA41-9F24-20C4FB80A6FA}" type="datetimeFigureOut">
               <a:rPr lang="en-US" smtClean="0"/>
-              <a:t>4/10/19</a:t>
+              <a:t>4/12/19</a:t>
             </a:fld>
             <a:endParaRPr lang="en-US"/>
           </a:p>
@@ -4220,7 +4220,12 @@
             <p:ph idx="1"/>
           </p:nvPr>
         </p:nvSpPr>
-        <p:spPr/>
+        <p:spPr>
+          <a:xfrm>
+            <a:off x="838200" y="1837500"/>
+            <a:ext cx="10515600" cy="4351338"/>
+          </a:xfrm>
+        </p:spPr>
         <p:txBody>
           <a:bodyPr/>
           <a:lstStyle/>
@@ -4269,21 +4274,13 @@
           <a:p>
             <a:r>
               <a:rPr lang="en-US" dirty="0"/>
+              <a:t>Bonus: what are some disadvantages?</a:t>
+            </a:r>
+          </a:p>
+          <a:p>
+            <a:r>
+              <a:rPr lang="en-US" dirty="0"/>
               <a:t>What is a Query Alias and when do I need one?</a:t>
-            </a:r>
-          </a:p>
-          <a:p>
-            <a:r>
-              <a:rPr lang="en-US" dirty="0"/>
-              <a:t>What is </a:t>
-            </a:r>
-            <a:r>
-              <a:rPr lang="en-US"/>
-              <a:t>a F\ragment</a:t>
-            </a:r>
-            <a:r>
-              <a:rPr lang="en-US" dirty="0"/>
-              <a:t>?</a:t>
             </a:r>
           </a:p>
           <a:p>

--- a/Wormhole.pptx
+++ b/Wormhole.pptx
@@ -4385,6 +4385,23 @@
               <a:rPr lang="en-US" dirty="0">
                 <a:hlinkClick r:id="rId2"/>
               </a:rPr>
+              <a:t>https://github.com/hmhco/data-framework/tree/develop/wormhole-</a:t>
+            </a:r>
+            <a:r>
+              <a:rPr lang="en-US">
+                <a:hlinkClick r:id="rId2"/>
+              </a:rPr>
+              <a:t>api</a:t>
+            </a:r>
+            <a:endParaRPr lang="en-US" dirty="0">
+              <a:hlinkClick r:id="rId2"/>
+            </a:endParaRPr>
+          </a:p>
+          <a:p>
+            <a:r>
+              <a:rPr lang="en-US" dirty="0">
+                <a:hlinkClick r:id="rId2"/>
+              </a:rPr>
               <a:t>https://graphql.github.io/graphql-spec/</a:t>
             </a:r>
             <a:endParaRPr lang="en-US" dirty="0"/>
@@ -4420,13 +4437,15 @@
             </a:r>
           </a:p>
           <a:p>
-            <a:pPr lvl="1"/>
             <a:r>
               <a:rPr lang="en-US" dirty="0">
                 <a:hlinkClick r:id="rId6"/>
               </a:rPr>
               <a:t>https://data.boston.gov/dataset/food-establishment-inspections/resource/4582bec6-2b4f-4f9e-bc55-cbaa73117f4c</a:t>
             </a:r>
+            <a:endParaRPr lang="en-US" dirty="0"/>
+          </a:p>
+          <a:p>
             <a:endParaRPr lang="en-US" dirty="0"/>
           </a:p>
         </p:txBody>
